--- a/docs/lectures/lecture_04/04_01_lecture_powerpoint.pptx
+++ b/docs/lectures/lecture_04/04_01_lecture_powerpoint.pptx
@@ -49,10 +49,6 @@
     <p:sldId id="297" r:id="rId43"/>
     <p:sldId id="298" r:id="rId44"/>
     <p:sldId id="299" r:id="rId45"/>
-    <p:sldId id="300" r:id="rId46"/>
-    <p:sldId id="301" r:id="rId47"/>
-    <p:sldId id="302" r:id="rId48"/>
-    <p:sldId id="303" r:id="rId49"/>
   </p:sldIdLst>
   <p:sldSz cx="9144000" cy="5143500" type="screen16x9"/>
   <p:notesSz cx="6858000" cy="9144000"/>
@@ -3866,7 +3862,7 @@
                 </a:solidFill>
                 <a:latin typeface="Courier"/>
               </a:rPr>
-              <a:t>(total_length_mm, </a:t>
+              <a:t>(length_mm, </a:t>
             </a:r>
             <a:r>
               <a:rPr>
@@ -3966,7 +3962,7 @@
                 </a:solidFill>
                 <a:latin typeface="Courier"/>
               </a:rPr>
-              <a:t>(total_length_mm, </a:t>
+              <a:t>(length_mm, </a:t>
             </a:r>
             <a:r>
               <a:rPr>
@@ -4075,7 +4071,7 @@
                 </a:solidFill>
                 <a:latin typeface="Courier"/>
               </a:rPr>
-              <a:t>(total_length_mm)),</a:t>
+              <a:t>(length_mm)),</a:t>
             </a:r>
             <a:br/>
             <a:r>
@@ -4202,7 +4198,7 @@
                 </a:solidFill>
                 <a:latin typeface="Courier"/>
               </a:rPr>
-              <a:t>(total_length_mm))), </a:t>
+              <a:t>(length_mm))), </a:t>
             </a:r>
             <a:r>
               <a:rPr>
@@ -5195,7 +5191,7 @@
                 </a:solidFill>
                 <a:latin typeface="Courier"/>
               </a:rPr>
-              <a:t>total_length_mm, </a:t>
+              <a:t>length_mm, </a:t>
             </a:r>
             <a:r>
               <a:rPr>
@@ -5277,7 +5273,7 @@
                 </a:solidFill>
                 <a:latin typeface="Courier"/>
               </a:rPr>
-              <a:t>total_length_mm, </a:t>
+              <a:t>length_mm, </a:t>
             </a:r>
             <a:r>
               <a:rPr>
@@ -5414,7 +5410,7 @@
                 </a:solidFill>
                 <a:latin typeface="Courier"/>
               </a:rPr>
-              <a:t>total_length_mm, </a:t>
+              <a:t>length_mm, </a:t>
             </a:r>
             <a:r>
               <a:rPr>
@@ -5496,7 +5492,7 @@
                 </a:solidFill>
                 <a:latin typeface="Courier"/>
               </a:rPr>
-              <a:t>total_length_mm, </a:t>
+              <a:t>length_mm, </a:t>
             </a:r>
             <a:r>
               <a:rPr>
@@ -5633,7 +5629,7 @@
                 </a:solidFill>
                 <a:latin typeface="Courier"/>
               </a:rPr>
-              <a:t>total_length_mm, </a:t>
+              <a:t>length_mm, </a:t>
             </a:r>
             <a:r>
               <a:rPr>
@@ -5715,7 +5711,7 @@
                 </a:solidFill>
                 <a:latin typeface="Courier"/>
               </a:rPr>
-              <a:t>total_length_mm, </a:t>
+              <a:t>length_mm, </a:t>
             </a:r>
             <a:r>
               <a:rPr>
@@ -7886,7 +7882,7 @@
                 </a:solidFill>
                 <a:latin typeface="Courier"/>
               </a:rPr>
-              <a:t>(total_length_mm, </a:t>
+              <a:t>(length_mm, </a:t>
             </a:r>
             <a:r>
               <a:rPr>
@@ -7986,7 +7982,7 @@
                 </a:solidFill>
                 <a:latin typeface="Courier"/>
               </a:rPr>
-              <a:t>(total_length_mm, </a:t>
+              <a:t>(length_mm, </a:t>
             </a:r>
             <a:r>
               <a:rPr>
@@ -8095,7 +8091,7 @@
                 </a:solidFill>
                 <a:latin typeface="Courier"/>
               </a:rPr>
-              <a:t>(total_length_mm)),</a:t>
+              <a:t>(length_mm)),</a:t>
             </a:r>
             <a:br/>
             <a:r>
@@ -9068,17 +9064,17 @@
                 <a:latin typeface="Courier"/>
               </a:rPr>
               <a:t>spc_tbl_ [168 × 5] (S3: spec_tbl_df/tbl_df/tbl/data.frame)
- $ site           : num [1:168] 113 113 113 113 113 113 113 113 113 113 ...
- $ lake           : chr [1:168] "I3" "I3" "I3" "I3" ...
- $ species        : chr [1:168] "arctic grayling" "arctic grayling" "arctic grayling" "arctic grayling" ...
- $ total_length_mm: num [1:168] 266 290 262 275 240 265 265 253 246 203 ...
- $ mass_g         : num [1:168] 135 185 145 160 105 145 150 130 130 71 ...
+ $ site     : num [1:168] 113 113 113 113 113 113 113 113 113 113 ...
+ $ lake     : chr [1:168] "I3" "I3" "I3" "I3" ...
+ $ species  : chr [1:168] "arctic grayling" "arctic grayling" "arctic grayling" "arctic grayling" ...
+ $ length_mm: num [1:168] 266 290 262 275 240 265 265 253 246 203 ...
+ $ mass_g   : num [1:168] 135 185 145 160 105 145 150 130 130 71 ...
  - attr(*, "spec")=
   .. cols(
   ..   site = col_double(),
   ..   lake = col_character(),
   ..   species = col_character(),
-  ..   total_length_mm = col_double(),
+  ..   length_mm = col_double(),
   ..   mass_g = col_double()
   .. )
  - attr(*, "problems")=&lt;externalptr&gt; </a:t>
@@ -9115,7 +9111,7 @@
               <a:rPr sz="2000">
                 <a:latin typeface="Courier"/>
               </a:rPr>
-              <a:t>      site         lake             species          total_length_mm
+              <a:t>      site         lake             species            length_mm    
  Min.   :113   Length:168         Length:168         Min.   :191.0  
  1st Qu.:113   Class :character   Class :character   1st Qu.:270.8  
  Median :118   Mode  :character   Mode  :character   Median :324.5  
@@ -9430,7 +9426,7 @@
                 </a:solidFill>
                 <a:latin typeface="Courier"/>
               </a:rPr>
-              <a:t>total_length_mm)</a:t>
+              <a:t>length_mm)</a:t>
             </a:r>
             <a:br/>
             <a:r>
@@ -9476,7 +9472,7 @@
                 </a:solidFill>
                 <a:latin typeface="Courier"/>
               </a:rPr>
-              <a:t>total_length_mm)</a:t>
+              <a:t>length_mm)</a:t>
             </a:r>
             <a:br/>
             <a:r>
@@ -12148,7 +12144,7 @@
                 </a:solidFill>
                 <a:latin typeface="Courier"/>
               </a:rPr>
-              <a:t>total_length_mm, </a:t>
+              <a:t>length_mm, </a:t>
             </a:r>
             <a:r>
               <a:rPr>
@@ -12355,7 +12351,7 @@
                 </a:solidFill>
                 <a:latin typeface="Courier"/>
               </a:rPr>
-              <a:t>total_length_mm, </a:t>
+              <a:t>length_mm, </a:t>
             </a:r>
             <a:r>
               <a:rPr>
@@ -12425,7 +12421,7 @@
               </a:rPr>
               <a:t>
     One Sample t-test
-data:  i3_df$total_length_mm
+data:  i3_df$length_mm
 t = 1.6091, df = 65, p-value = 0.1124
 alternative hypothesis: true mean is not equal to 260
 95 percent confidence interval:
@@ -12584,7 +12580,7 @@
                 </a:solidFill>
                 <a:latin typeface="Courier"/>
               </a:rPr>
-              <a:t>(total_length_mm </a:t>
+              <a:t>(length_mm </a:t>
             </a:r>
             <a:r>
               <a:rPr>
@@ -12709,7 +12705,7 @@
               </a:rPr>
               <a:t>
     Welch Two Sample t-test
-data:  total_length_mm by lake
+data:  length_mm by lake
 t = -15.532, df = 161.63, p-value &lt; 2.2e-16
 alternative hypothesis: true difference in means between group I3 and group I8 is less than 0
 95 percent confidence interval:
@@ -13571,7 +13567,7 @@
                 </a:solidFill>
                 <a:latin typeface="Courier"/>
               </a:rPr>
-              <a:t>total_length_mm) </a:t>
+              <a:t>length_mm) </a:t>
             </a:r>
             <a:r>
               <a:rPr>
@@ -13671,7 +13667,7 @@
                 </a:solidFill>
                 <a:latin typeface="Courier"/>
               </a:rPr>
-              <a:t>total_length_mm) </a:t>
+              <a:t>length_mm) </a:t>
             </a:r>
             <a:r>
               <a:rPr>
@@ -14498,2739 +14494,6 @@
           <a:chExt cx="0" cy="0"/>
         </a:xfrm>
       </p:grpSpPr>
-      <p:sp>
-        <p:nvSpPr>
-          <p:cNvPr id="3" name="Content Placeholder 2"/>
-          <p:cNvSpPr>
-            <a:spLocks noGrp="1"/>
-          </p:cNvSpPr>
-          <p:nvPr>
-            <p:ph idx="1"/>
-          </p:nvPr>
-        </p:nvSpPr>
-        <p:spPr/>
-        <p:txBody>
-          <a:bodyPr/>
-          <a:lstStyle/>
-          <a:p>
-            <a:pPr lvl="0" indent="0" marL="1270000">
-              <a:buNone/>
-            </a:pPr>
-            <a:r>
-              <a:rPr sz="2000" b="1"/>
-              <a:t>Final Exercise: Comprehensive Analysis</a:t>
-            </a:r>
-          </a:p>
-          <a:p>
-            <a:pPr lvl="0" indent="0" marL="1270000">
-              <a:buNone/>
-            </a:pPr>
-            <a:r>
-              <a:rPr sz="2000"/>
-              <a:t>Now that we’ve covered the key concepts, let’s perform a complete analysis of the Arctic grayling data:</a:t>
-            </a:r>
-          </a:p>
-          <a:p>
-            <a:pPr lvl="0" indent="0">
-              <a:buNone/>
-            </a:pPr>
-            <a:r>
-              <a:rPr>
-                <a:solidFill>
-                  <a:srgbClr val="5E5E5E"/>
-                </a:solidFill>
-                <a:latin typeface="Courier"/>
-              </a:rPr>
-              <a:t># Comprehensive analysis of Arctic grayling data</a:t>
-            </a:r>
-            <a:br/>
-            <a:r>
-              <a:rPr>
-                <a:solidFill>
-                  <a:srgbClr val="5E5E5E"/>
-                </a:solidFill>
-                <a:latin typeface="Courier"/>
-              </a:rPr>
-              <a:t># 1. Data visualization</a:t>
-            </a:r>
-            <a:br/>
-            <a:r>
-              <a:rPr>
-                <a:solidFill>
-                  <a:srgbClr val="003B4F"/>
-                </a:solidFill>
-                <a:latin typeface="Courier"/>
-              </a:rPr>
-              <a:t>length_boxplot &lt;- grayling_df </a:t>
-            </a:r>
-            <a:r>
-              <a:rPr>
-                <a:solidFill>
-                  <a:srgbClr val="5E5E5E"/>
-                </a:solidFill>
-                <a:latin typeface="Courier"/>
-              </a:rPr>
-              <a:t>%&gt;%</a:t>
-            </a:r>
-            <a:br/>
-            <a:r>
-              <a:rPr>
-                <a:solidFill>
-                  <a:srgbClr val="003B4F"/>
-                </a:solidFill>
-                <a:latin typeface="Courier"/>
-              </a:rPr>
-              <a:t>  </a:t>
-            </a:r>
-            <a:r>
-              <a:rPr>
-                <a:solidFill>
-                  <a:srgbClr val="4758AB"/>
-                </a:solidFill>
-                <a:latin typeface="Courier"/>
-              </a:rPr>
-              <a:t>ggplot</a:t>
-            </a:r>
-            <a:r>
-              <a:rPr>
-                <a:solidFill>
-                  <a:srgbClr val="003B4F"/>
-                </a:solidFill>
-                <a:latin typeface="Courier"/>
-              </a:rPr>
-              <a:t>(</a:t>
-            </a:r>
-            <a:r>
-              <a:rPr>
-                <a:solidFill>
-                  <a:srgbClr val="4758AB"/>
-                </a:solidFill>
-                <a:latin typeface="Courier"/>
-              </a:rPr>
-              <a:t>aes</a:t>
-            </a:r>
-            <a:r>
-              <a:rPr>
-                <a:solidFill>
-                  <a:srgbClr val="003B4F"/>
-                </a:solidFill>
-                <a:latin typeface="Courier"/>
-              </a:rPr>
-              <a:t>(</a:t>
-            </a:r>
-            <a:r>
-              <a:rPr>
-                <a:solidFill>
-                  <a:srgbClr val="657422"/>
-                </a:solidFill>
-                <a:latin typeface="Courier"/>
-              </a:rPr>
-              <a:t>x =</a:t>
-            </a:r>
-            <a:r>
-              <a:rPr>
-                <a:solidFill>
-                  <a:srgbClr val="003B4F"/>
-                </a:solidFill>
-                <a:latin typeface="Courier"/>
-              </a:rPr>
-              <a:t> lake, </a:t>
-            </a:r>
-            <a:r>
-              <a:rPr>
-                <a:solidFill>
-                  <a:srgbClr val="657422"/>
-                </a:solidFill>
-                <a:latin typeface="Courier"/>
-              </a:rPr>
-              <a:t>y =</a:t>
-            </a:r>
-            <a:r>
-              <a:rPr>
-                <a:solidFill>
-                  <a:srgbClr val="003B4F"/>
-                </a:solidFill>
-                <a:latin typeface="Courier"/>
-              </a:rPr>
-              <a:t> total_length_mm, </a:t>
-            </a:r>
-            <a:r>
-              <a:rPr>
-                <a:solidFill>
-                  <a:srgbClr val="657422"/>
-                </a:solidFill>
-                <a:latin typeface="Courier"/>
-              </a:rPr>
-              <a:t>fill =</a:t>
-            </a:r>
-            <a:r>
-              <a:rPr>
-                <a:solidFill>
-                  <a:srgbClr val="003B4F"/>
-                </a:solidFill>
-                <a:latin typeface="Courier"/>
-              </a:rPr>
-              <a:t> lake)) </a:t>
-            </a:r>
-            <a:r>
-              <a:rPr>
-                <a:solidFill>
-                  <a:srgbClr val="5E5E5E"/>
-                </a:solidFill>
-                <a:latin typeface="Courier"/>
-              </a:rPr>
-              <a:t>+</a:t>
-            </a:r>
-            <a:br/>
-            <a:r>
-              <a:rPr>
-                <a:solidFill>
-                  <a:srgbClr val="003B4F"/>
-                </a:solidFill>
-                <a:latin typeface="Courier"/>
-              </a:rPr>
-              <a:t>  </a:t>
-            </a:r>
-            <a:r>
-              <a:rPr>
-                <a:solidFill>
-                  <a:srgbClr val="4758AB"/>
-                </a:solidFill>
-                <a:latin typeface="Courier"/>
-              </a:rPr>
-              <a:t>geom_boxplot</a:t>
-            </a:r>
-            <a:r>
-              <a:rPr>
-                <a:solidFill>
-                  <a:srgbClr val="003B4F"/>
-                </a:solidFill>
-                <a:latin typeface="Courier"/>
-              </a:rPr>
-              <a:t>() </a:t>
-            </a:r>
-            <a:r>
-              <a:rPr>
-                <a:solidFill>
-                  <a:srgbClr val="5E5E5E"/>
-                </a:solidFill>
-                <a:latin typeface="Courier"/>
-              </a:rPr>
-              <a:t>+</a:t>
-            </a:r>
-            <a:br/>
-            <a:r>
-              <a:rPr>
-                <a:solidFill>
-                  <a:srgbClr val="003B4F"/>
-                </a:solidFill>
-                <a:latin typeface="Courier"/>
-              </a:rPr>
-              <a:t>  </a:t>
-            </a:r>
-            <a:r>
-              <a:rPr>
-                <a:solidFill>
-                  <a:srgbClr val="4758AB"/>
-                </a:solidFill>
-                <a:latin typeface="Courier"/>
-              </a:rPr>
-              <a:t>labs</a:t>
-            </a:r>
-            <a:r>
-              <a:rPr>
-                <a:solidFill>
-                  <a:srgbClr val="003B4F"/>
-                </a:solidFill>
-                <a:latin typeface="Courier"/>
-              </a:rPr>
-              <a:t>(</a:t>
-            </a:r>
-            <a:r>
-              <a:rPr>
-                <a:solidFill>
-                  <a:srgbClr val="657422"/>
-                </a:solidFill>
-                <a:latin typeface="Courier"/>
-              </a:rPr>
-              <a:t>title =</a:t>
-            </a:r>
-            <a:r>
-              <a:rPr>
-                <a:solidFill>
-                  <a:srgbClr val="003B4F"/>
-                </a:solidFill>
-                <a:latin typeface="Courier"/>
-              </a:rPr>
-              <a:t> </a:t>
-            </a:r>
-            <a:r>
-              <a:rPr>
-                <a:solidFill>
-                  <a:srgbClr val="20794D"/>
-                </a:solidFill>
-                <a:latin typeface="Courier"/>
-              </a:rPr>
-              <a:t>"Fish Length by Lake"</a:t>
-            </a:r>
-            <a:r>
-              <a:rPr>
-                <a:solidFill>
-                  <a:srgbClr val="003B4F"/>
-                </a:solidFill>
-                <a:latin typeface="Courier"/>
-              </a:rPr>
-              <a:t>,</a:t>
-            </a:r>
-            <a:br/>
-            <a:r>
-              <a:rPr>
-                <a:solidFill>
-                  <a:srgbClr val="003B4F"/>
-                </a:solidFill>
-                <a:latin typeface="Courier"/>
-              </a:rPr>
-              <a:t>       </a:t>
-            </a:r>
-            <a:r>
-              <a:rPr>
-                <a:solidFill>
-                  <a:srgbClr val="657422"/>
-                </a:solidFill>
-                <a:latin typeface="Courier"/>
-              </a:rPr>
-              <a:t>x =</a:t>
-            </a:r>
-            <a:r>
-              <a:rPr>
-                <a:solidFill>
-                  <a:srgbClr val="003B4F"/>
-                </a:solidFill>
-                <a:latin typeface="Courier"/>
-              </a:rPr>
-              <a:t> </a:t>
-            </a:r>
-            <a:r>
-              <a:rPr>
-                <a:solidFill>
-                  <a:srgbClr val="20794D"/>
-                </a:solidFill>
-                <a:latin typeface="Courier"/>
-              </a:rPr>
-              <a:t>"Lake"</a:t>
-            </a:r>
-            <a:r>
-              <a:rPr>
-                <a:solidFill>
-                  <a:srgbClr val="003B4F"/>
-                </a:solidFill>
-                <a:latin typeface="Courier"/>
-              </a:rPr>
-              <a:t>,</a:t>
-            </a:r>
-            <a:br/>
-            <a:r>
-              <a:rPr>
-                <a:solidFill>
-                  <a:srgbClr val="003B4F"/>
-                </a:solidFill>
-                <a:latin typeface="Courier"/>
-              </a:rPr>
-              <a:t>       </a:t>
-            </a:r>
-            <a:r>
-              <a:rPr>
-                <a:solidFill>
-                  <a:srgbClr val="657422"/>
-                </a:solidFill>
-                <a:latin typeface="Courier"/>
-              </a:rPr>
-              <a:t>y =</a:t>
-            </a:r>
-            <a:r>
-              <a:rPr>
-                <a:solidFill>
-                  <a:srgbClr val="003B4F"/>
-                </a:solidFill>
-                <a:latin typeface="Courier"/>
-              </a:rPr>
-              <a:t> </a:t>
-            </a:r>
-            <a:r>
-              <a:rPr>
-                <a:solidFill>
-                  <a:srgbClr val="20794D"/>
-                </a:solidFill>
-                <a:latin typeface="Courier"/>
-              </a:rPr>
-              <a:t>"Length (mm)"</a:t>
-            </a:r>
-            <a:r>
-              <a:rPr>
-                <a:solidFill>
-                  <a:srgbClr val="003B4F"/>
-                </a:solidFill>
-                <a:latin typeface="Courier"/>
-              </a:rPr>
-              <a:t>) </a:t>
-            </a:r>
-            <a:r>
-              <a:rPr>
-                <a:solidFill>
-                  <a:srgbClr val="5E5E5E"/>
-                </a:solidFill>
-                <a:latin typeface="Courier"/>
-              </a:rPr>
-              <a:t>+</a:t>
-            </a:r>
-            <a:br/>
-            <a:r>
-              <a:rPr>
-                <a:solidFill>
-                  <a:srgbClr val="003B4F"/>
-                </a:solidFill>
-                <a:latin typeface="Courier"/>
-              </a:rPr>
-              <a:t>  </a:t>
-            </a:r>
-            <a:r>
-              <a:rPr>
-                <a:solidFill>
-                  <a:srgbClr val="4758AB"/>
-                </a:solidFill>
-                <a:latin typeface="Courier"/>
-              </a:rPr>
-              <a:t>theme_minimal</a:t>
-            </a:r>
-            <a:r>
-              <a:rPr>
-                <a:solidFill>
-                  <a:srgbClr val="003B4F"/>
-                </a:solidFill>
-                <a:latin typeface="Courier"/>
-              </a:rPr>
-              <a:t>()</a:t>
-            </a:r>
-            <a:br/>
-            <a:br/>
-            <a:r>
-              <a:rPr>
-                <a:solidFill>
-                  <a:srgbClr val="5E5E5E"/>
-                </a:solidFill>
-                <a:latin typeface="Courier"/>
-              </a:rPr>
-              <a:t># 2. Compare means with t-test</a:t>
-            </a:r>
-            <a:br/>
-            <a:r>
-              <a:rPr>
-                <a:solidFill>
-                  <a:srgbClr val="003B4F"/>
-                </a:solidFill>
-                <a:latin typeface="Courier"/>
-              </a:rPr>
-              <a:t>length_ttest &lt;- </a:t>
-            </a:r>
-            <a:r>
-              <a:rPr>
-                <a:solidFill>
-                  <a:srgbClr val="4758AB"/>
-                </a:solidFill>
-                <a:latin typeface="Courier"/>
-              </a:rPr>
-              <a:t>t.test</a:t>
-            </a:r>
-            <a:r>
-              <a:rPr>
-                <a:solidFill>
-                  <a:srgbClr val="003B4F"/>
-                </a:solidFill>
-                <a:latin typeface="Courier"/>
-              </a:rPr>
-              <a:t>(total_length_mm </a:t>
-            </a:r>
-            <a:r>
-              <a:rPr>
-                <a:solidFill>
-                  <a:srgbClr val="5E5E5E"/>
-                </a:solidFill>
-                <a:latin typeface="Courier"/>
-              </a:rPr>
-              <a:t>~</a:t>
-            </a:r>
-            <a:r>
-              <a:rPr>
-                <a:solidFill>
-                  <a:srgbClr val="003B4F"/>
-                </a:solidFill>
-                <a:latin typeface="Courier"/>
-              </a:rPr>
-              <a:t> lake, </a:t>
-            </a:r>
-            <a:r>
-              <a:rPr>
-                <a:solidFill>
-                  <a:srgbClr val="657422"/>
-                </a:solidFill>
-                <a:latin typeface="Courier"/>
-              </a:rPr>
-              <a:t>data =</a:t>
-            </a:r>
-            <a:r>
-              <a:rPr>
-                <a:solidFill>
-                  <a:srgbClr val="003B4F"/>
-                </a:solidFill>
-                <a:latin typeface="Courier"/>
-              </a:rPr>
-              <a:t> grayling_df)</a:t>
-            </a:r>
-            <a:br/>
-            <a:br/>
-            <a:r>
-              <a:rPr>
-                <a:solidFill>
-                  <a:srgbClr val="5E5E5E"/>
-                </a:solidFill>
-                <a:latin typeface="Courier"/>
-              </a:rPr>
-              <a:t># 3. Length-mass relationship</a:t>
-            </a:r>
-            <a:br/>
-            <a:r>
-              <a:rPr>
-                <a:solidFill>
-                  <a:srgbClr val="003B4F"/>
-                </a:solidFill>
-                <a:latin typeface="Courier"/>
-              </a:rPr>
-              <a:t>length_mass_model &lt;- </a:t>
-            </a:r>
-            <a:r>
-              <a:rPr>
-                <a:solidFill>
-                  <a:srgbClr val="4758AB"/>
-                </a:solidFill>
-                <a:latin typeface="Courier"/>
-              </a:rPr>
-              <a:t>lm</a:t>
-            </a:r>
-            <a:r>
-              <a:rPr>
-                <a:solidFill>
-                  <a:srgbClr val="003B4F"/>
-                </a:solidFill>
-                <a:latin typeface="Courier"/>
-              </a:rPr>
-              <a:t>(mass_g </a:t>
-            </a:r>
-            <a:r>
-              <a:rPr>
-                <a:solidFill>
-                  <a:srgbClr val="5E5E5E"/>
-                </a:solidFill>
-                <a:latin typeface="Courier"/>
-              </a:rPr>
-              <a:t>~</a:t>
-            </a:r>
-            <a:r>
-              <a:rPr>
-                <a:solidFill>
-                  <a:srgbClr val="003B4F"/>
-                </a:solidFill>
-                <a:latin typeface="Courier"/>
-              </a:rPr>
-              <a:t> total_length_mm </a:t>
-            </a:r>
-            <a:r>
-              <a:rPr>
-                <a:solidFill>
-                  <a:srgbClr val="5E5E5E"/>
-                </a:solidFill>
-                <a:latin typeface="Courier"/>
-              </a:rPr>
-              <a:t>*</a:t>
-            </a:r>
-            <a:r>
-              <a:rPr>
-                <a:solidFill>
-                  <a:srgbClr val="003B4F"/>
-                </a:solidFill>
-                <a:latin typeface="Courier"/>
-              </a:rPr>
-              <a:t> lake, </a:t>
-            </a:r>
-            <a:r>
-              <a:rPr>
-                <a:solidFill>
-                  <a:srgbClr val="657422"/>
-                </a:solidFill>
-                <a:latin typeface="Courier"/>
-              </a:rPr>
-              <a:t>data =</a:t>
-            </a:r>
-            <a:r>
-              <a:rPr>
-                <a:solidFill>
-                  <a:srgbClr val="003B4F"/>
-                </a:solidFill>
-                <a:latin typeface="Courier"/>
-              </a:rPr>
-              <a:t> grayling_df)</a:t>
-            </a:r>
-            <a:br/>
-            <a:r>
-              <a:rPr>
-                <a:solidFill>
-                  <a:srgbClr val="003B4F"/>
-                </a:solidFill>
-                <a:latin typeface="Courier"/>
-              </a:rPr>
-              <a:t>model_summary &lt;- </a:t>
-            </a:r>
-            <a:r>
-              <a:rPr>
-                <a:solidFill>
-                  <a:srgbClr val="4758AB"/>
-                </a:solidFill>
-                <a:latin typeface="Courier"/>
-              </a:rPr>
-              <a:t>summary</a:t>
-            </a:r>
-            <a:r>
-              <a:rPr>
-                <a:solidFill>
-                  <a:srgbClr val="003B4F"/>
-                </a:solidFill>
-                <a:latin typeface="Courier"/>
-              </a:rPr>
-              <a:t>(length_mass_model)</a:t>
-            </a:r>
-            <a:br/>
-            <a:br/>
-            <a:r>
-              <a:rPr>
-                <a:solidFill>
-                  <a:srgbClr val="5E5E5E"/>
-                </a:solidFill>
-                <a:latin typeface="Courier"/>
-              </a:rPr>
-              <a:t># 4. Display results</a:t>
-            </a:r>
-            <a:br/>
-            <a:r>
-              <a:rPr>
-                <a:solidFill>
-                  <a:srgbClr val="003B4F"/>
-                </a:solidFill>
-                <a:latin typeface="Courier"/>
-              </a:rPr>
-              <a:t>length_boxplot</a:t>
-            </a:r>
-          </a:p>
-          <a:p>
-            <a:pPr lvl="0" indent="0" marL="1270000">
-              <a:buNone/>
-            </a:pPr>
-          </a:p>
-          <a:p>
-            <a:pPr lvl="0" indent="0">
-              <a:buNone/>
-            </a:pPr>
-            <a:r>
-              <a:rPr>
-                <a:solidFill>
-                  <a:srgbClr val="003B4F"/>
-                </a:solidFill>
-                <a:latin typeface="Courier"/>
-              </a:rPr>
-              <a:t>length_ttest</a:t>
-            </a:r>
-          </a:p>
-          <a:p>
-            <a:pPr lvl="0" indent="0">
-              <a:buNone/>
-            </a:pPr>
-            <a:r>
-              <a:rPr sz="2000">
-                <a:latin typeface="Courier"/>
-              </a:rPr>
-              <a:t>
-    Welch Two Sample t-test
-data:  total_length_mm by lake
-t = -15.532, df = 161.63, p-value &lt; 2.2e-16
-alternative hypothesis: true difference in means between group I3 and group I8 is not equal to 0
-95 percent confidence interval:
- -109.32342  -84.66053
-sample estimates:
-mean in group I3 mean in group I8 
-        265.6061         362.5980 </a:t>
-            </a:r>
-          </a:p>
-          <a:p>
-            <a:pPr lvl="0" indent="0">
-              <a:buNone/>
-            </a:pPr>
-            <a:r>
-              <a:rPr>
-                <a:solidFill>
-                  <a:srgbClr val="003B4F"/>
-                </a:solidFill>
-                <a:latin typeface="Courier"/>
-              </a:rPr>
-              <a:t>model_summary</a:t>
-            </a:r>
-          </a:p>
-          <a:p>
-            <a:pPr lvl="0" indent="0">
-              <a:buNone/>
-            </a:pPr>
-            <a:r>
-              <a:rPr sz="2000">
-                <a:latin typeface="Courier"/>
-              </a:rPr>
-              <a:t>
-Call:
-lm(formula = mass_g ~ total_length_mm * lake, data = grayling_df)
-Residuals:
-     Min       1Q   Median       3Q      Max 
--151.223  -14.839   -0.764   10.670  153.130 
-Coefficients:
-                        Estimate Std. Error t value Pr(&gt;|t|)    
-(Intercept)            -219.3313    47.9087  -4.578 9.30e-06 ***
-total_length_mm           1.3924     0.1794   7.763 8.88e-13 ***
-lakeI8                 -522.5506    56.5882  -9.234  &lt; 2e-16 ***
-total_length_mm:lakeI8    1.9738     0.1972  10.009  &lt; 2e-16 ***
----
-Signif. codes:  0 '***' 0.001 '**' 0.01 '*' 0.05 '.' 0.1 ' ' 1
-Residual standard error: 40.93 on 162 degrees of freedom
-  (2 observations deleted due to missingness)
-Multiple R-squared:  0.9644,    Adjusted R-squared:  0.9637 
-F-statistic:  1461 on 3 and 162 DF,  p-value: &lt; 2.2e-16</a:t>
-            </a:r>
-          </a:p>
-          <a:p>
-            <a:pPr lvl="0" indent="0">
-              <a:buNone/>
-            </a:pPr>
-            <a:r>
-              <a:rPr>
-                <a:solidFill>
-                  <a:srgbClr val="5E5E5E"/>
-                </a:solidFill>
-                <a:latin typeface="Courier"/>
-              </a:rPr>
-              <a:t># 5. Calculate 95% confidence intervals for each lake</a:t>
-            </a:r>
-            <a:br/>
-            <a:r>
-              <a:rPr>
-                <a:solidFill>
-                  <a:srgbClr val="003B4F"/>
-                </a:solidFill>
-                <a:latin typeface="Courier"/>
-              </a:rPr>
-              <a:t>ci_results &lt;- grayling_df </a:t>
-            </a:r>
-            <a:r>
-              <a:rPr>
-                <a:solidFill>
-                  <a:srgbClr val="5E5E5E"/>
-                </a:solidFill>
-                <a:latin typeface="Courier"/>
-              </a:rPr>
-              <a:t>%&gt;%</a:t>
-            </a:r>
-            <a:br/>
-            <a:r>
-              <a:rPr>
-                <a:solidFill>
-                  <a:srgbClr val="003B4F"/>
-                </a:solidFill>
-                <a:latin typeface="Courier"/>
-              </a:rPr>
-              <a:t>  </a:t>
-            </a:r>
-            <a:r>
-              <a:rPr>
-                <a:solidFill>
-                  <a:srgbClr val="4758AB"/>
-                </a:solidFill>
-                <a:latin typeface="Courier"/>
-              </a:rPr>
-              <a:t>group_by</a:t>
-            </a:r>
-            <a:r>
-              <a:rPr>
-                <a:solidFill>
-                  <a:srgbClr val="003B4F"/>
-                </a:solidFill>
-                <a:latin typeface="Courier"/>
-              </a:rPr>
-              <a:t>(lake) </a:t>
-            </a:r>
-            <a:r>
-              <a:rPr>
-                <a:solidFill>
-                  <a:srgbClr val="5E5E5E"/>
-                </a:solidFill>
-                <a:latin typeface="Courier"/>
-              </a:rPr>
-              <a:t>%&gt;%</a:t>
-            </a:r>
-            <a:br/>
-            <a:r>
-              <a:rPr>
-                <a:solidFill>
-                  <a:srgbClr val="003B4F"/>
-                </a:solidFill>
-                <a:latin typeface="Courier"/>
-              </a:rPr>
-              <a:t>  </a:t>
-            </a:r>
-            <a:r>
-              <a:rPr>
-                <a:solidFill>
-                  <a:srgbClr val="4758AB"/>
-                </a:solidFill>
-                <a:latin typeface="Courier"/>
-              </a:rPr>
-              <a:t>summarize</a:t>
-            </a:r>
-            <a:r>
-              <a:rPr>
-                <a:solidFill>
-                  <a:srgbClr val="003B4F"/>
-                </a:solidFill>
-                <a:latin typeface="Courier"/>
-              </a:rPr>
-              <a:t>(</a:t>
-            </a:r>
-            <a:br/>
-            <a:r>
-              <a:rPr>
-                <a:solidFill>
-                  <a:srgbClr val="003B4F"/>
-                </a:solidFill>
-                <a:latin typeface="Courier"/>
-              </a:rPr>
-              <a:t>    </a:t>
-            </a:r>
-            <a:r>
-              <a:rPr>
-                <a:solidFill>
-                  <a:srgbClr val="657422"/>
-                </a:solidFill>
-                <a:latin typeface="Courier"/>
-              </a:rPr>
-              <a:t>mean_length =</a:t>
-            </a:r>
-            <a:r>
-              <a:rPr>
-                <a:solidFill>
-                  <a:srgbClr val="003B4F"/>
-                </a:solidFill>
-                <a:latin typeface="Courier"/>
-              </a:rPr>
-              <a:t> </a:t>
-            </a:r>
-            <a:r>
-              <a:rPr>
-                <a:solidFill>
-                  <a:srgbClr val="4758AB"/>
-                </a:solidFill>
-                <a:latin typeface="Courier"/>
-              </a:rPr>
-              <a:t>mean</a:t>
-            </a:r>
-            <a:r>
-              <a:rPr>
-                <a:solidFill>
-                  <a:srgbClr val="003B4F"/>
-                </a:solidFill>
-                <a:latin typeface="Courier"/>
-              </a:rPr>
-              <a:t>(total_length_mm, </a:t>
-            </a:r>
-            <a:r>
-              <a:rPr>
-                <a:solidFill>
-                  <a:srgbClr val="657422"/>
-                </a:solidFill>
-                <a:latin typeface="Courier"/>
-              </a:rPr>
-              <a:t>na.rm =</a:t>
-            </a:r>
-            <a:r>
-              <a:rPr>
-                <a:solidFill>
-                  <a:srgbClr val="003B4F"/>
-                </a:solidFill>
-                <a:latin typeface="Courier"/>
-              </a:rPr>
-              <a:t> </a:t>
-            </a:r>
-            <a:r>
-              <a:rPr>
-                <a:solidFill>
-                  <a:srgbClr val="8F5902"/>
-                </a:solidFill>
-                <a:latin typeface="Courier"/>
-              </a:rPr>
-              <a:t>TRUE</a:t>
-            </a:r>
-            <a:r>
-              <a:rPr>
-                <a:solidFill>
-                  <a:srgbClr val="003B4F"/>
-                </a:solidFill>
-                <a:latin typeface="Courier"/>
-              </a:rPr>
-              <a:t>),</a:t>
-            </a:r>
-            <a:br/>
-            <a:r>
-              <a:rPr>
-                <a:solidFill>
-                  <a:srgbClr val="003B4F"/>
-                </a:solidFill>
-                <a:latin typeface="Courier"/>
-              </a:rPr>
-              <a:t>    </a:t>
-            </a:r>
-            <a:r>
-              <a:rPr>
-                <a:solidFill>
-                  <a:srgbClr val="657422"/>
-                </a:solidFill>
-                <a:latin typeface="Courier"/>
-              </a:rPr>
-              <a:t>sd_length =</a:t>
-            </a:r>
-            <a:r>
-              <a:rPr>
-                <a:solidFill>
-                  <a:srgbClr val="003B4F"/>
-                </a:solidFill>
-                <a:latin typeface="Courier"/>
-              </a:rPr>
-              <a:t> </a:t>
-            </a:r>
-            <a:r>
-              <a:rPr>
-                <a:solidFill>
-                  <a:srgbClr val="4758AB"/>
-                </a:solidFill>
-                <a:latin typeface="Courier"/>
-              </a:rPr>
-              <a:t>sd</a:t>
-            </a:r>
-            <a:r>
-              <a:rPr>
-                <a:solidFill>
-                  <a:srgbClr val="003B4F"/>
-                </a:solidFill>
-                <a:latin typeface="Courier"/>
-              </a:rPr>
-              <a:t>(total_length_mm, </a:t>
-            </a:r>
-            <a:r>
-              <a:rPr>
-                <a:solidFill>
-                  <a:srgbClr val="657422"/>
-                </a:solidFill>
-                <a:latin typeface="Courier"/>
-              </a:rPr>
-              <a:t>na.rm =</a:t>
-            </a:r>
-            <a:r>
-              <a:rPr>
-                <a:solidFill>
-                  <a:srgbClr val="003B4F"/>
-                </a:solidFill>
-                <a:latin typeface="Courier"/>
-              </a:rPr>
-              <a:t> </a:t>
-            </a:r>
-            <a:r>
-              <a:rPr>
-                <a:solidFill>
-                  <a:srgbClr val="8F5902"/>
-                </a:solidFill>
-                <a:latin typeface="Courier"/>
-              </a:rPr>
-              <a:t>TRUE</a:t>
-            </a:r>
-            <a:r>
-              <a:rPr>
-                <a:solidFill>
-                  <a:srgbClr val="003B4F"/>
-                </a:solidFill>
-                <a:latin typeface="Courier"/>
-              </a:rPr>
-              <a:t>),</a:t>
-            </a:r>
-            <a:br/>
-            <a:r>
-              <a:rPr>
-                <a:solidFill>
-                  <a:srgbClr val="003B4F"/>
-                </a:solidFill>
-                <a:latin typeface="Courier"/>
-              </a:rPr>
-              <a:t>    </a:t>
-            </a:r>
-            <a:r>
-              <a:rPr>
-                <a:solidFill>
-                  <a:srgbClr val="657422"/>
-                </a:solidFill>
-                <a:latin typeface="Courier"/>
-              </a:rPr>
-              <a:t>n =</a:t>
-            </a:r>
-            <a:r>
-              <a:rPr>
-                <a:solidFill>
-                  <a:srgbClr val="003B4F"/>
-                </a:solidFill>
-                <a:latin typeface="Courier"/>
-              </a:rPr>
-              <a:t> </a:t>
-            </a:r>
-            <a:r>
-              <a:rPr>
-                <a:solidFill>
-                  <a:srgbClr val="4758AB"/>
-                </a:solidFill>
-                <a:latin typeface="Courier"/>
-              </a:rPr>
-              <a:t>sum</a:t>
-            </a:r>
-            <a:r>
-              <a:rPr>
-                <a:solidFill>
-                  <a:srgbClr val="003B4F"/>
-                </a:solidFill>
-                <a:latin typeface="Courier"/>
-              </a:rPr>
-              <a:t>(</a:t>
-            </a:r>
-            <a:r>
-              <a:rPr>
-                <a:solidFill>
-                  <a:srgbClr val="5E5E5E"/>
-                </a:solidFill>
-                <a:latin typeface="Courier"/>
-              </a:rPr>
-              <a:t>!</a:t>
-            </a:r>
-            <a:r>
-              <a:rPr>
-                <a:solidFill>
-                  <a:srgbClr val="4758AB"/>
-                </a:solidFill>
-                <a:latin typeface="Courier"/>
-              </a:rPr>
-              <a:t>is.na</a:t>
-            </a:r>
-            <a:r>
-              <a:rPr>
-                <a:solidFill>
-                  <a:srgbClr val="003B4F"/>
-                </a:solidFill>
-                <a:latin typeface="Courier"/>
-              </a:rPr>
-              <a:t>(total_length_mm)),</a:t>
-            </a:r>
-            <a:br/>
-            <a:r>
-              <a:rPr>
-                <a:solidFill>
-                  <a:srgbClr val="003B4F"/>
-                </a:solidFill>
-                <a:latin typeface="Courier"/>
-              </a:rPr>
-              <a:t>    </a:t>
-            </a:r>
-            <a:r>
-              <a:rPr>
-                <a:solidFill>
-                  <a:srgbClr val="657422"/>
-                </a:solidFill>
-                <a:latin typeface="Courier"/>
-              </a:rPr>
-              <a:t>se_length =</a:t>
-            </a:r>
-            <a:r>
-              <a:rPr>
-                <a:solidFill>
-                  <a:srgbClr val="003B4F"/>
-                </a:solidFill>
-                <a:latin typeface="Courier"/>
-              </a:rPr>
-              <a:t> sd_length </a:t>
-            </a:r>
-            <a:r>
-              <a:rPr>
-                <a:solidFill>
-                  <a:srgbClr val="5E5E5E"/>
-                </a:solidFill>
-                <a:latin typeface="Courier"/>
-              </a:rPr>
-              <a:t>/</a:t>
-            </a:r>
-            <a:r>
-              <a:rPr>
-                <a:solidFill>
-                  <a:srgbClr val="003B4F"/>
-                </a:solidFill>
-                <a:latin typeface="Courier"/>
-              </a:rPr>
-              <a:t> </a:t>
-            </a:r>
-            <a:r>
-              <a:rPr>
-                <a:solidFill>
-                  <a:srgbClr val="4758AB"/>
-                </a:solidFill>
-                <a:latin typeface="Courier"/>
-              </a:rPr>
-              <a:t>sqrt</a:t>
-            </a:r>
-            <a:r>
-              <a:rPr>
-                <a:solidFill>
-                  <a:srgbClr val="003B4F"/>
-                </a:solidFill>
-                <a:latin typeface="Courier"/>
-              </a:rPr>
-              <a:t>(n),</a:t>
-            </a:r>
-            <a:br/>
-            <a:r>
-              <a:rPr>
-                <a:solidFill>
-                  <a:srgbClr val="003B4F"/>
-                </a:solidFill>
-                <a:latin typeface="Courier"/>
-              </a:rPr>
-              <a:t>    </a:t>
-            </a:r>
-            <a:r>
-              <a:rPr>
-                <a:solidFill>
-                  <a:srgbClr val="657422"/>
-                </a:solidFill>
-                <a:latin typeface="Courier"/>
-              </a:rPr>
-              <a:t>t_crit =</a:t>
-            </a:r>
-            <a:r>
-              <a:rPr>
-                <a:solidFill>
-                  <a:srgbClr val="003B4F"/>
-                </a:solidFill>
-                <a:latin typeface="Courier"/>
-              </a:rPr>
-              <a:t> </a:t>
-            </a:r>
-            <a:r>
-              <a:rPr>
-                <a:solidFill>
-                  <a:srgbClr val="4758AB"/>
-                </a:solidFill>
-                <a:latin typeface="Courier"/>
-              </a:rPr>
-              <a:t>qt</a:t>
-            </a:r>
-            <a:r>
-              <a:rPr>
-                <a:solidFill>
-                  <a:srgbClr val="003B4F"/>
-                </a:solidFill>
-                <a:latin typeface="Courier"/>
-              </a:rPr>
-              <a:t>(</a:t>
-            </a:r>
-            <a:r>
-              <a:rPr>
-                <a:solidFill>
-                  <a:srgbClr val="AD0000"/>
-                </a:solidFill>
-                <a:latin typeface="Courier"/>
-              </a:rPr>
-              <a:t>0.975</a:t>
-            </a:r>
-            <a:r>
-              <a:rPr>
-                <a:solidFill>
-                  <a:srgbClr val="003B4F"/>
-                </a:solidFill>
-                <a:latin typeface="Courier"/>
-              </a:rPr>
-              <a:t>, </a:t>
-            </a:r>
-            <a:r>
-              <a:rPr>
-                <a:solidFill>
-                  <a:srgbClr val="657422"/>
-                </a:solidFill>
-                <a:latin typeface="Courier"/>
-              </a:rPr>
-              <a:t>df =</a:t>
-            </a:r>
-            <a:r>
-              <a:rPr>
-                <a:solidFill>
-                  <a:srgbClr val="003B4F"/>
-                </a:solidFill>
-                <a:latin typeface="Courier"/>
-              </a:rPr>
-              <a:t> n </a:t>
-            </a:r>
-            <a:r>
-              <a:rPr>
-                <a:solidFill>
-                  <a:srgbClr val="5E5E5E"/>
-                </a:solidFill>
-                <a:latin typeface="Courier"/>
-              </a:rPr>
-              <a:t>-</a:t>
-            </a:r>
-            <a:r>
-              <a:rPr>
-                <a:solidFill>
-                  <a:srgbClr val="003B4F"/>
-                </a:solidFill>
-                <a:latin typeface="Courier"/>
-              </a:rPr>
-              <a:t> </a:t>
-            </a:r>
-            <a:r>
-              <a:rPr>
-                <a:solidFill>
-                  <a:srgbClr val="AD0000"/>
-                </a:solidFill>
-                <a:latin typeface="Courier"/>
-              </a:rPr>
-              <a:t>1</a:t>
-            </a:r>
-            <a:r>
-              <a:rPr>
-                <a:solidFill>
-                  <a:srgbClr val="003B4F"/>
-                </a:solidFill>
-                <a:latin typeface="Courier"/>
-              </a:rPr>
-              <a:t>),</a:t>
-            </a:r>
-            <a:br/>
-            <a:r>
-              <a:rPr>
-                <a:solidFill>
-                  <a:srgbClr val="003B4F"/>
-                </a:solidFill>
-                <a:latin typeface="Courier"/>
-              </a:rPr>
-              <a:t>    </a:t>
-            </a:r>
-            <a:r>
-              <a:rPr>
-                <a:solidFill>
-                  <a:srgbClr val="657422"/>
-                </a:solidFill>
-                <a:latin typeface="Courier"/>
-              </a:rPr>
-              <a:t>margin_error =</a:t>
-            </a:r>
-            <a:r>
-              <a:rPr>
-                <a:solidFill>
-                  <a:srgbClr val="003B4F"/>
-                </a:solidFill>
-                <a:latin typeface="Courier"/>
-              </a:rPr>
-              <a:t> t_crit </a:t>
-            </a:r>
-            <a:r>
-              <a:rPr>
-                <a:solidFill>
-                  <a:srgbClr val="5E5E5E"/>
-                </a:solidFill>
-                <a:latin typeface="Courier"/>
-              </a:rPr>
-              <a:t>*</a:t>
-            </a:r>
-            <a:r>
-              <a:rPr>
-                <a:solidFill>
-                  <a:srgbClr val="003B4F"/>
-                </a:solidFill>
-                <a:latin typeface="Courier"/>
-              </a:rPr>
-              <a:t> se_length,</a:t>
-            </a:r>
-            <a:br/>
-            <a:r>
-              <a:rPr>
-                <a:solidFill>
-                  <a:srgbClr val="003B4F"/>
-                </a:solidFill>
-                <a:latin typeface="Courier"/>
-              </a:rPr>
-              <a:t>    </a:t>
-            </a:r>
-            <a:r>
-              <a:rPr>
-                <a:solidFill>
-                  <a:srgbClr val="657422"/>
-                </a:solidFill>
-                <a:latin typeface="Courier"/>
-              </a:rPr>
-              <a:t>ci_lower =</a:t>
-            </a:r>
-            <a:r>
-              <a:rPr>
-                <a:solidFill>
-                  <a:srgbClr val="003B4F"/>
-                </a:solidFill>
-                <a:latin typeface="Courier"/>
-              </a:rPr>
-              <a:t> mean_length </a:t>
-            </a:r>
-            <a:r>
-              <a:rPr>
-                <a:solidFill>
-                  <a:srgbClr val="5E5E5E"/>
-                </a:solidFill>
-                <a:latin typeface="Courier"/>
-              </a:rPr>
-              <a:t>-</a:t>
-            </a:r>
-            <a:r>
-              <a:rPr>
-                <a:solidFill>
-                  <a:srgbClr val="003B4F"/>
-                </a:solidFill>
-                <a:latin typeface="Courier"/>
-              </a:rPr>
-              <a:t> margin_error,</a:t>
-            </a:r>
-            <a:br/>
-            <a:r>
-              <a:rPr>
-                <a:solidFill>
-                  <a:srgbClr val="003B4F"/>
-                </a:solidFill>
-                <a:latin typeface="Courier"/>
-              </a:rPr>
-              <a:t>    </a:t>
-            </a:r>
-            <a:r>
-              <a:rPr>
-                <a:solidFill>
-                  <a:srgbClr val="657422"/>
-                </a:solidFill>
-                <a:latin typeface="Courier"/>
-              </a:rPr>
-              <a:t>ci_upper =</a:t>
-            </a:r>
-            <a:r>
-              <a:rPr>
-                <a:solidFill>
-                  <a:srgbClr val="003B4F"/>
-                </a:solidFill>
-                <a:latin typeface="Courier"/>
-              </a:rPr>
-              <a:t> mean_length </a:t>
-            </a:r>
-            <a:r>
-              <a:rPr>
-                <a:solidFill>
-                  <a:srgbClr val="5E5E5E"/>
-                </a:solidFill>
-                <a:latin typeface="Courier"/>
-              </a:rPr>
-              <a:t>+</a:t>
-            </a:r>
-            <a:r>
-              <a:rPr>
-                <a:solidFill>
-                  <a:srgbClr val="003B4F"/>
-                </a:solidFill>
-                <a:latin typeface="Courier"/>
-              </a:rPr>
-              <a:t> margin_error,</a:t>
-            </a:r>
-            <a:br/>
-            <a:r>
-              <a:rPr>
-                <a:solidFill>
-                  <a:srgbClr val="003B4F"/>
-                </a:solidFill>
-                <a:latin typeface="Courier"/>
-              </a:rPr>
-              <a:t>    </a:t>
-            </a:r>
-            <a:r>
-              <a:rPr>
-                <a:solidFill>
-                  <a:srgbClr val="657422"/>
-                </a:solidFill>
-                <a:latin typeface="Courier"/>
-              </a:rPr>
-              <a:t>.groups =</a:t>
-            </a:r>
-            <a:r>
-              <a:rPr>
-                <a:solidFill>
-                  <a:srgbClr val="003B4F"/>
-                </a:solidFill>
-                <a:latin typeface="Courier"/>
-              </a:rPr>
-              <a:t> </a:t>
-            </a:r>
-            <a:r>
-              <a:rPr>
-                <a:solidFill>
-                  <a:srgbClr val="20794D"/>
-                </a:solidFill>
-                <a:latin typeface="Courier"/>
-              </a:rPr>
-              <a:t>"drop"</a:t>
-            </a:r>
-            <a:br/>
-            <a:r>
-              <a:rPr>
-                <a:solidFill>
-                  <a:srgbClr val="003B4F"/>
-                </a:solidFill>
-                <a:latin typeface="Courier"/>
-              </a:rPr>
-              <a:t>  )</a:t>
-            </a:r>
-            <a:br/>
-            <a:br/>
-            <a:r>
-              <a:rPr>
-                <a:solidFill>
-                  <a:srgbClr val="5E5E5E"/>
-                </a:solidFill>
-                <a:latin typeface="Courier"/>
-              </a:rPr>
-              <a:t># Display confidence intervals</a:t>
-            </a:r>
-            <a:br/>
-            <a:r>
-              <a:rPr>
-                <a:solidFill>
-                  <a:srgbClr val="003B4F"/>
-                </a:solidFill>
-                <a:latin typeface="Courier"/>
-              </a:rPr>
-              <a:t>ci_results</a:t>
-            </a:r>
-          </a:p>
-          <a:p>
-            <a:pPr lvl="0" indent="0">
-              <a:buNone/>
-            </a:pPr>
-            <a:r>
-              <a:rPr sz="2000">
-                <a:latin typeface="Courier"/>
-              </a:rPr>
-              <a:t># A tibble: 2 × 9
-  lake  mean_length sd_length     n se_length t_crit margin_error ci_lower
-  &lt;chr&gt;       &lt;dbl&gt;     &lt;dbl&gt; &lt;int&gt;     &lt;dbl&gt;  &lt;dbl&gt;        &lt;dbl&gt;    &lt;dbl&gt;
-1 I3           266.      28.3    66      3.48   2.00         6.96     259.
-2 I8           363.      52.3   102      5.18   1.98        10.3      352.
-# ℹ 1 more variable: ci_upper &lt;dbl&gt;</a:t>
-            </a:r>
-          </a:p>
-          <a:p>
-            <a:pPr lvl="0" indent="0">
-              <a:buNone/>
-            </a:pPr>
-            <a:r>
-              <a:rPr>
-                <a:solidFill>
-                  <a:srgbClr val="5E5E5E"/>
-                </a:solidFill>
-                <a:latin typeface="Courier"/>
-              </a:rPr>
-              <a:t># 6. Visualize regression with confidence intervals</a:t>
-            </a:r>
-            <a:br/>
-            <a:r>
-              <a:rPr>
-                <a:solidFill>
-                  <a:srgbClr val="003B4F"/>
-                </a:solidFill>
-                <a:latin typeface="Courier"/>
-              </a:rPr>
-              <a:t>regression_plot &lt;- grayling_df </a:t>
-            </a:r>
-            <a:r>
-              <a:rPr>
-                <a:solidFill>
-                  <a:srgbClr val="5E5E5E"/>
-                </a:solidFill>
-                <a:latin typeface="Courier"/>
-              </a:rPr>
-              <a:t>%&gt;%</a:t>
-            </a:r>
-            <a:br/>
-            <a:r>
-              <a:rPr>
-                <a:solidFill>
-                  <a:srgbClr val="003B4F"/>
-                </a:solidFill>
-                <a:latin typeface="Courier"/>
-              </a:rPr>
-              <a:t>  </a:t>
-            </a:r>
-            <a:r>
-              <a:rPr>
-                <a:solidFill>
-                  <a:srgbClr val="4758AB"/>
-                </a:solidFill>
-                <a:latin typeface="Courier"/>
-              </a:rPr>
-              <a:t>ggplot</a:t>
-            </a:r>
-            <a:r>
-              <a:rPr>
-                <a:solidFill>
-                  <a:srgbClr val="003B4F"/>
-                </a:solidFill>
-                <a:latin typeface="Courier"/>
-              </a:rPr>
-              <a:t>(</a:t>
-            </a:r>
-            <a:r>
-              <a:rPr>
-                <a:solidFill>
-                  <a:srgbClr val="4758AB"/>
-                </a:solidFill>
-                <a:latin typeface="Courier"/>
-              </a:rPr>
-              <a:t>aes</a:t>
-            </a:r>
-            <a:r>
-              <a:rPr>
-                <a:solidFill>
-                  <a:srgbClr val="003B4F"/>
-                </a:solidFill>
-                <a:latin typeface="Courier"/>
-              </a:rPr>
-              <a:t>(</a:t>
-            </a:r>
-            <a:r>
-              <a:rPr>
-                <a:solidFill>
-                  <a:srgbClr val="657422"/>
-                </a:solidFill>
-                <a:latin typeface="Courier"/>
-              </a:rPr>
-              <a:t>x =</a:t>
-            </a:r>
-            <a:r>
-              <a:rPr>
-                <a:solidFill>
-                  <a:srgbClr val="003B4F"/>
-                </a:solidFill>
-                <a:latin typeface="Courier"/>
-              </a:rPr>
-              <a:t> total_length_mm, </a:t>
-            </a:r>
-            <a:r>
-              <a:rPr>
-                <a:solidFill>
-                  <a:srgbClr val="657422"/>
-                </a:solidFill>
-                <a:latin typeface="Courier"/>
-              </a:rPr>
-              <a:t>y =</a:t>
-            </a:r>
-            <a:r>
-              <a:rPr>
-                <a:solidFill>
-                  <a:srgbClr val="003B4F"/>
-                </a:solidFill>
-                <a:latin typeface="Courier"/>
-              </a:rPr>
-              <a:t> mass_g, </a:t>
-            </a:r>
-            <a:r>
-              <a:rPr>
-                <a:solidFill>
-                  <a:srgbClr val="657422"/>
-                </a:solidFill>
-                <a:latin typeface="Courier"/>
-              </a:rPr>
-              <a:t>color =</a:t>
-            </a:r>
-            <a:r>
-              <a:rPr>
-                <a:solidFill>
-                  <a:srgbClr val="003B4F"/>
-                </a:solidFill>
-                <a:latin typeface="Courier"/>
-              </a:rPr>
-              <a:t> lake)) </a:t>
-            </a:r>
-            <a:r>
-              <a:rPr>
-                <a:solidFill>
-                  <a:srgbClr val="5E5E5E"/>
-                </a:solidFill>
-                <a:latin typeface="Courier"/>
-              </a:rPr>
-              <a:t>+</a:t>
-            </a:r>
-            <a:br/>
-            <a:r>
-              <a:rPr>
-                <a:solidFill>
-                  <a:srgbClr val="003B4F"/>
-                </a:solidFill>
-                <a:latin typeface="Courier"/>
-              </a:rPr>
-              <a:t>  </a:t>
-            </a:r>
-            <a:r>
-              <a:rPr>
-                <a:solidFill>
-                  <a:srgbClr val="4758AB"/>
-                </a:solidFill>
-                <a:latin typeface="Courier"/>
-              </a:rPr>
-              <a:t>geom_point</a:t>
-            </a:r>
-            <a:r>
-              <a:rPr>
-                <a:solidFill>
-                  <a:srgbClr val="003B4F"/>
-                </a:solidFill>
-                <a:latin typeface="Courier"/>
-              </a:rPr>
-              <a:t>(</a:t>
-            </a:r>
-            <a:r>
-              <a:rPr>
-                <a:solidFill>
-                  <a:srgbClr val="657422"/>
-                </a:solidFill>
-                <a:latin typeface="Courier"/>
-              </a:rPr>
-              <a:t>alpha =</a:t>
-            </a:r>
-            <a:r>
-              <a:rPr>
-                <a:solidFill>
-                  <a:srgbClr val="003B4F"/>
-                </a:solidFill>
-                <a:latin typeface="Courier"/>
-              </a:rPr>
-              <a:t> </a:t>
-            </a:r>
-            <a:r>
-              <a:rPr>
-                <a:solidFill>
-                  <a:srgbClr val="AD0000"/>
-                </a:solidFill>
-                <a:latin typeface="Courier"/>
-              </a:rPr>
-              <a:t>0.7</a:t>
-            </a:r>
-            <a:r>
-              <a:rPr>
-                <a:solidFill>
-                  <a:srgbClr val="003B4F"/>
-                </a:solidFill>
-                <a:latin typeface="Courier"/>
-              </a:rPr>
-              <a:t>) </a:t>
-            </a:r>
-            <a:r>
-              <a:rPr>
-                <a:solidFill>
-                  <a:srgbClr val="5E5E5E"/>
-                </a:solidFill>
-                <a:latin typeface="Courier"/>
-              </a:rPr>
-              <a:t>+</a:t>
-            </a:r>
-            <a:br/>
-            <a:r>
-              <a:rPr>
-                <a:solidFill>
-                  <a:srgbClr val="003B4F"/>
-                </a:solidFill>
-                <a:latin typeface="Courier"/>
-              </a:rPr>
-              <a:t>  </a:t>
-            </a:r>
-            <a:r>
-              <a:rPr>
-                <a:solidFill>
-                  <a:srgbClr val="4758AB"/>
-                </a:solidFill>
-                <a:latin typeface="Courier"/>
-              </a:rPr>
-              <a:t>geom_smooth</a:t>
-            </a:r>
-            <a:r>
-              <a:rPr>
-                <a:solidFill>
-                  <a:srgbClr val="003B4F"/>
-                </a:solidFill>
-                <a:latin typeface="Courier"/>
-              </a:rPr>
-              <a:t>(</a:t>
-            </a:r>
-            <a:r>
-              <a:rPr>
-                <a:solidFill>
-                  <a:srgbClr val="657422"/>
-                </a:solidFill>
-                <a:latin typeface="Courier"/>
-              </a:rPr>
-              <a:t>method =</a:t>
-            </a:r>
-            <a:r>
-              <a:rPr>
-                <a:solidFill>
-                  <a:srgbClr val="003B4F"/>
-                </a:solidFill>
-                <a:latin typeface="Courier"/>
-              </a:rPr>
-              <a:t> </a:t>
-            </a:r>
-            <a:r>
-              <a:rPr>
-                <a:solidFill>
-                  <a:srgbClr val="20794D"/>
-                </a:solidFill>
-                <a:latin typeface="Courier"/>
-              </a:rPr>
-              <a:t>"lm"</a:t>
-            </a:r>
-            <a:r>
-              <a:rPr>
-                <a:solidFill>
-                  <a:srgbClr val="003B4F"/>
-                </a:solidFill>
-                <a:latin typeface="Courier"/>
-              </a:rPr>
-              <a:t>, </a:t>
-            </a:r>
-            <a:r>
-              <a:rPr>
-                <a:solidFill>
-                  <a:srgbClr val="657422"/>
-                </a:solidFill>
-                <a:latin typeface="Courier"/>
-              </a:rPr>
-              <a:t>se =</a:t>
-            </a:r>
-            <a:r>
-              <a:rPr>
-                <a:solidFill>
-                  <a:srgbClr val="003B4F"/>
-                </a:solidFill>
-                <a:latin typeface="Courier"/>
-              </a:rPr>
-              <a:t> </a:t>
-            </a:r>
-            <a:r>
-              <a:rPr>
-                <a:solidFill>
-                  <a:srgbClr val="8F5902"/>
-                </a:solidFill>
-                <a:latin typeface="Courier"/>
-              </a:rPr>
-              <a:t>TRUE</a:t>
-            </a:r>
-            <a:r>
-              <a:rPr>
-                <a:solidFill>
-                  <a:srgbClr val="003B4F"/>
-                </a:solidFill>
-                <a:latin typeface="Courier"/>
-              </a:rPr>
-              <a:t>) </a:t>
-            </a:r>
-            <a:r>
-              <a:rPr>
-                <a:solidFill>
-                  <a:srgbClr val="5E5E5E"/>
-                </a:solidFill>
-                <a:latin typeface="Courier"/>
-              </a:rPr>
-              <a:t>+</a:t>
-            </a:r>
-            <a:br/>
-            <a:r>
-              <a:rPr>
-                <a:solidFill>
-                  <a:srgbClr val="003B4F"/>
-                </a:solidFill>
-                <a:latin typeface="Courier"/>
-              </a:rPr>
-              <a:t>  </a:t>
-            </a:r>
-            <a:r>
-              <a:rPr>
-                <a:solidFill>
-                  <a:srgbClr val="4758AB"/>
-                </a:solidFill>
-                <a:latin typeface="Courier"/>
-              </a:rPr>
-              <a:t>labs</a:t>
-            </a:r>
-            <a:r>
-              <a:rPr>
-                <a:solidFill>
-                  <a:srgbClr val="003B4F"/>
-                </a:solidFill>
-                <a:latin typeface="Courier"/>
-              </a:rPr>
-              <a:t>(</a:t>
-            </a:r>
-            <a:r>
-              <a:rPr>
-                <a:solidFill>
-                  <a:srgbClr val="657422"/>
-                </a:solidFill>
-                <a:latin typeface="Courier"/>
-              </a:rPr>
-              <a:t>title =</a:t>
-            </a:r>
-            <a:r>
-              <a:rPr>
-                <a:solidFill>
-                  <a:srgbClr val="003B4F"/>
-                </a:solidFill>
-                <a:latin typeface="Courier"/>
-              </a:rPr>
-              <a:t> </a:t>
-            </a:r>
-            <a:r>
-              <a:rPr>
-                <a:solidFill>
-                  <a:srgbClr val="20794D"/>
-                </a:solidFill>
-                <a:latin typeface="Courier"/>
-              </a:rPr>
-              <a:t>"Length-Mass Relationship by Lake"</a:t>
-            </a:r>
-            <a:r>
-              <a:rPr>
-                <a:solidFill>
-                  <a:srgbClr val="003B4F"/>
-                </a:solidFill>
-                <a:latin typeface="Courier"/>
-              </a:rPr>
-              <a:t>,</a:t>
-            </a:r>
-            <a:br/>
-            <a:r>
-              <a:rPr>
-                <a:solidFill>
-                  <a:srgbClr val="003B4F"/>
-                </a:solidFill>
-                <a:latin typeface="Courier"/>
-              </a:rPr>
-              <a:t>       </a:t>
-            </a:r>
-            <a:r>
-              <a:rPr>
-                <a:solidFill>
-                  <a:srgbClr val="657422"/>
-                </a:solidFill>
-                <a:latin typeface="Courier"/>
-              </a:rPr>
-              <a:t>x =</a:t>
-            </a:r>
-            <a:r>
-              <a:rPr>
-                <a:solidFill>
-                  <a:srgbClr val="003B4F"/>
-                </a:solidFill>
-                <a:latin typeface="Courier"/>
-              </a:rPr>
-              <a:t> </a:t>
-            </a:r>
-            <a:r>
-              <a:rPr>
-                <a:solidFill>
-                  <a:srgbClr val="20794D"/>
-                </a:solidFill>
-                <a:latin typeface="Courier"/>
-              </a:rPr>
-              <a:t>"Length (mm)"</a:t>
-            </a:r>
-            <a:r>
-              <a:rPr>
-                <a:solidFill>
-                  <a:srgbClr val="003B4F"/>
-                </a:solidFill>
-                <a:latin typeface="Courier"/>
-              </a:rPr>
-              <a:t>,</a:t>
-            </a:r>
-            <a:br/>
-            <a:r>
-              <a:rPr>
-                <a:solidFill>
-                  <a:srgbClr val="003B4F"/>
-                </a:solidFill>
-                <a:latin typeface="Courier"/>
-              </a:rPr>
-              <a:t>       </a:t>
-            </a:r>
-            <a:r>
-              <a:rPr>
-                <a:solidFill>
-                  <a:srgbClr val="657422"/>
-                </a:solidFill>
-                <a:latin typeface="Courier"/>
-              </a:rPr>
-              <a:t>y =</a:t>
-            </a:r>
-            <a:r>
-              <a:rPr>
-                <a:solidFill>
-                  <a:srgbClr val="003B4F"/>
-                </a:solidFill>
-                <a:latin typeface="Courier"/>
-              </a:rPr>
-              <a:t> </a:t>
-            </a:r>
-            <a:r>
-              <a:rPr>
-                <a:solidFill>
-                  <a:srgbClr val="20794D"/>
-                </a:solidFill>
-                <a:latin typeface="Courier"/>
-              </a:rPr>
-              <a:t>"Mass (g)"</a:t>
-            </a:r>
-            <a:r>
-              <a:rPr>
-                <a:solidFill>
-                  <a:srgbClr val="003B4F"/>
-                </a:solidFill>
-                <a:latin typeface="Courier"/>
-              </a:rPr>
-              <a:t>) </a:t>
-            </a:r>
-            <a:r>
-              <a:rPr>
-                <a:solidFill>
-                  <a:srgbClr val="5E5E5E"/>
-                </a:solidFill>
-                <a:latin typeface="Courier"/>
-              </a:rPr>
-              <a:t>+</a:t>
-            </a:r>
-            <a:br/>
-            <a:r>
-              <a:rPr>
-                <a:solidFill>
-                  <a:srgbClr val="003B4F"/>
-                </a:solidFill>
-                <a:latin typeface="Courier"/>
-              </a:rPr>
-              <a:t>  </a:t>
-            </a:r>
-            <a:r>
-              <a:rPr>
-                <a:solidFill>
-                  <a:srgbClr val="4758AB"/>
-                </a:solidFill>
-                <a:latin typeface="Courier"/>
-              </a:rPr>
-              <a:t>theme_minimal</a:t>
-            </a:r>
-            <a:r>
-              <a:rPr>
-                <a:solidFill>
-                  <a:srgbClr val="003B4F"/>
-                </a:solidFill>
-                <a:latin typeface="Courier"/>
-              </a:rPr>
-              <a:t>()</a:t>
-            </a:r>
-            <a:br/>
-            <a:br/>
-            <a:r>
-              <a:rPr>
-                <a:solidFill>
-                  <a:srgbClr val="003B4F"/>
-                </a:solidFill>
-                <a:latin typeface="Courier"/>
-              </a:rPr>
-              <a:t>regression_plot</a:t>
-            </a:r>
-          </a:p>
-          <a:p>
-            <a:pPr lvl="0" indent="0" marL="1270000">
-              <a:buNone/>
-            </a:pPr>
-          </a:p>
-          <a:p>
-            <a:pPr lvl="0" indent="0" marL="1270000">
-              <a:buNone/>
-            </a:pPr>
-            <a:r>
-              <a:rPr sz="2000"/>
-              <a:t>Based on this analysis: 1. Are there significant differences in fish length between the two lakes? 2. How does the length-mass relationship differ between lakes? 3. What conclusions can you draw about Arctic grayling in these two lakes?</a:t>
-            </a:r>
-          </a:p>
-        </p:txBody>
-      </p:sp>
-    </p:spTree>
-  </p:cSld>
-</p:sld>
-</file>
-
-<file path=ppt/slides/slide45.xml><?xml version="1.0" encoding="utf-8"?>
-<p:sld xmlns:a="http://schemas.openxmlformats.org/drawingml/2006/main" xmlns:r="http://schemas.openxmlformats.org/officeDocument/2006/relationships" xmlns:p="http://schemas.openxmlformats.org/presentationml/2006/main">
-  <p:cSld>
-    <p:spTree>
-      <p:nvGrpSpPr>
-        <p:cNvPr id="1" name=""/>
-        <p:cNvGrpSpPr/>
-        <p:nvPr/>
-      </p:nvGrpSpPr>
-      <p:grpSpPr>
-        <a:xfrm>
-          <a:off x="0" y="0"/>
-          <a:ext cx="0" cy="0"/>
-          <a:chOff x="0" y="0"/>
-          <a:chExt cx="0" cy="0"/>
-        </a:xfrm>
-      </p:grpSpPr>
-      <p:sp>
-        <p:nvSpPr>
-          <p:cNvPr id="2" name="Title 1"/>
-          <p:cNvSpPr>
-            <a:spLocks noGrp="1"/>
-          </p:cNvSpPr>
-          <p:nvPr>
-            <p:ph type="title"/>
-          </p:nvPr>
-        </p:nvSpPr>
-        <p:spPr>
-          <a:xfrm>
-            <a:off x="0" y="0"/>
-            <a:ext cx="9144000" cy="602780"/>
-          </a:xfrm>
-          <a:solidFill>
-            <a:srgbClr val="70121D"/>
-          </a:solidFill>
-        </p:spPr>
-        <p:txBody>
-          <a:bodyPr/>
-          <a:lstStyle/>
-          <a:p>
-            <a:pPr lvl="0" indent="0" marL="0">
-              <a:buNone/>
-            </a:pPr>
-            <a:r>
-              <a:rPr b="1"/>
-              <a:t>Lecture 4:</a:t>
-            </a:r>
-            <a:r>
-              <a:rPr/>
-              <a:t> Error Bars and Their Interpretation</a:t>
-            </a:r>
-          </a:p>
-        </p:txBody>
-      </p:sp>
-      <p:sp>
-        <p:nvSpPr>
-          <p:cNvPr id="3" name="Content Placeholder 2"/>
-          <p:cNvSpPr>
-            <a:spLocks noGrp="1"/>
-          </p:cNvSpPr>
-          <p:nvPr>
-            <p:ph idx="1" sz="half"/>
-          </p:nvPr>
-        </p:nvSpPr>
-        <p:spPr/>
-        <p:txBody>
-          <a:bodyPr/>
-          <a:lstStyle/>
-          <a:p>
-            <a:pPr lvl="0" indent="0" marL="0">
-              <a:buNone/>
-            </a:pPr>
-            <a:r>
-              <a:rPr/>
-              <a:t>Error bars are graphical representations of the variability of data that show:</a:t>
-            </a:r>
-          </a:p>
-          <a:p>
-            <a:pPr lvl="0"/>
-            <a:r>
-              <a:rPr/>
-              <a:t>The </a:t>
-            </a:r>
-            <a:r>
-              <a:rPr b="1"/>
-              <a:t>precision</a:t>
-            </a:r>
-            <a:r>
-              <a:rPr/>
-              <a:t> of a measurement</a:t>
-            </a:r>
-          </a:p>
-          <a:p>
-            <a:pPr lvl="0"/>
-            <a:r>
-              <a:rPr/>
-              <a:t>The </a:t>
-            </a:r>
-            <a:r>
-              <a:rPr b="1"/>
-              <a:t>uncertainty</a:t>
-            </a:r>
-            <a:r>
-              <a:rPr/>
-              <a:t> around an estimate</a:t>
-            </a:r>
-          </a:p>
-          <a:p>
-            <a:pPr lvl="0"/>
-            <a:r>
-              <a:rPr/>
-              <a:t>A </a:t>
-            </a:r>
-            <a:r>
-              <a:rPr b="1"/>
-              <a:t>confidence interval</a:t>
-            </a:r>
-            <a:r>
-              <a:rPr/>
-              <a:t> for a parameter</a:t>
-            </a:r>
-          </a:p>
-          <a:p>
-            <a:pPr lvl="0" indent="0" marL="0">
-              <a:buNone/>
-            </a:pPr>
-            <a:r>
-              <a:rPr/>
-              <a:t>Common types of error bars: 1. </a:t>
-            </a:r>
-            <a:r>
-              <a:rPr b="1"/>
-              <a:t>Standard Error (SE)</a:t>
-            </a:r>
-            <a:r>
-              <a:rPr/>
-              <a:t>: Shows precision of the mean 2. </a:t>
-            </a:r>
-            <a:r>
-              <a:rPr b="1"/>
-              <a:t>Standard Deviation (SD)</a:t>
-            </a:r>
-            <a:r>
-              <a:rPr/>
-              <a:t>: Shows variability in the data 3. </a:t>
-            </a:r>
-            <a:r>
-              <a:rPr b="1"/>
-              <a:t>Confidence Interval (CI)</a:t>
-            </a:r>
-            <a:r>
-              <a:rPr/>
-              <a:t>: Shows plausible range for parameter</a:t>
-            </a:r>
-          </a:p>
-          <a:p>
-            <a:pPr lvl="0" indent="0" marL="0">
-              <a:buNone/>
-            </a:pPr>
-            <a:r>
-              <a:rPr/>
-              <a:t>When interpreting graphs: - Always check what the error bars represent - Non-overlapping 95% CI bars suggest statistically significant differences - Error bars help assess both statistical and practical significance</a:t>
-            </a:r>
-          </a:p>
-        </p:txBody>
-      </p:sp>
-      <p:pic>
-        <p:nvPicPr>
-          <p:cNvPr descr="04_01_lecture_powerpoint_files/figure-pptx/unnamed-chunk-32-1.png" id="0" name="Picture 1"/>
-          <p:cNvPicPr>
-            <a:picLocks noGrp="1" noChangeAspect="1"/>
-          </p:cNvPicPr>
-          <p:nvPr/>
-        </p:nvPicPr>
-        <p:blipFill>
-          <a:blip r:embed="rId2"/>
-          <a:stretch>
-            <a:fillRect/>
-          </a:stretch>
-        </p:blipFill>
-        <p:spPr bwMode="auto">
-          <a:xfrm>
-            <a:off x="6121400" y="1155700"/>
-            <a:ext cx="2781300" cy="3479800"/>
-          </a:xfrm>
-          <a:prstGeom prst="rect">
-            <a:avLst/>
-          </a:prstGeom>
-          <a:noFill/>
-          <a:ln w="9525">
-            <a:noFill/>
-            <a:headEnd/>
-            <a:tailEnd/>
-          </a:ln>
-        </p:spPr>
-      </p:pic>
-    </p:spTree>
-  </p:cSld>
-</p:sld>
-</file>
-
-<file path=ppt/slides/slide46.xml><?xml version="1.0" encoding="utf-8"?>
-<p:sld xmlns:a="http://schemas.openxmlformats.org/drawingml/2006/main" xmlns:r="http://schemas.openxmlformats.org/officeDocument/2006/relationships" xmlns:p="http://schemas.openxmlformats.org/presentationml/2006/main">
-  <p:cSld>
-    <p:spTree>
-      <p:nvGrpSpPr>
-        <p:cNvPr id="1" name=""/>
-        <p:cNvGrpSpPr/>
-        <p:nvPr/>
-      </p:nvGrpSpPr>
-      <p:grpSpPr>
-        <a:xfrm>
-          <a:off x="0" y="0"/>
-          <a:ext cx="0" cy="0"/>
-          <a:chOff x="0" y="0"/>
-          <a:chExt cx="0" cy="0"/>
-        </a:xfrm>
-      </p:grpSpPr>
-      <p:sp>
-        <p:nvSpPr>
-          <p:cNvPr id="2" name="Title 1"/>
-          <p:cNvSpPr>
-            <a:spLocks noGrp="1"/>
-          </p:cNvSpPr>
-          <p:nvPr>
-            <p:ph type="title"/>
-          </p:nvPr>
-        </p:nvSpPr>
-        <p:spPr>
-          <a:xfrm>
-            <a:off x="0" y="0"/>
-            <a:ext cx="9144000" cy="602780"/>
-          </a:xfrm>
-          <a:solidFill>
-            <a:srgbClr val="70121D"/>
-          </a:solidFill>
-        </p:spPr>
-        <p:txBody>
-          <a:bodyPr/>
-          <a:lstStyle/>
-          <a:p>
-            <a:pPr lvl="0" indent="0" marL="0">
-              <a:buNone/>
-            </a:pPr>
-            <a:r>
-              <a:rPr b="1"/>
-              <a:t>Lecture 4:</a:t>
-            </a:r>
-            <a:r>
-              <a:rPr/>
-              <a:t> Sampling and Pseudoreplication</a:t>
-            </a:r>
-          </a:p>
-        </p:txBody>
-      </p:sp>
-      <p:sp>
-        <p:nvSpPr>
-          <p:cNvPr id="3" name="Content Placeholder 2"/>
-          <p:cNvSpPr>
-            <a:spLocks noGrp="1"/>
-          </p:cNvSpPr>
-          <p:nvPr>
-            <p:ph idx="1" sz="half"/>
-          </p:nvPr>
-        </p:nvSpPr>
-        <p:spPr/>
-        <p:txBody>
-          <a:bodyPr/>
-          <a:lstStyle/>
-          <a:p>
-            <a:pPr lvl="0" indent="0" marL="0">
-              <a:buNone/>
-            </a:pPr>
-            <a:r>
-              <a:rPr b="1"/>
-              <a:t>Pseudoreplication</a:t>
-            </a:r>
-            <a:r>
-              <a:rPr/>
-              <a:t> occurs when measurements that are not independent are analyzed as if they were independent.</a:t>
-            </a:r>
-          </a:p>
-          <a:p>
-            <a:pPr lvl="0"/>
-            <a:r>
-              <a:rPr/>
-              <a:t>A critical consideration in experimental design</a:t>
-            </a:r>
-          </a:p>
-          <a:p>
-            <a:pPr lvl="0"/>
-            <a:r>
-              <a:rPr/>
-              <a:t>Results in underestimated standard errors and confidence intervals</a:t>
-            </a:r>
-          </a:p>
-          <a:p>
-            <a:pPr lvl="0"/>
-            <a:r>
-              <a:rPr/>
-              <a:t>Leads to inflated Type I error rates (false positives)</a:t>
-            </a:r>
-          </a:p>
-          <a:p>
-            <a:pPr lvl="0" indent="0" marL="0">
-              <a:buNone/>
-            </a:pPr>
-            <a:r>
-              <a:rPr b="1"/>
-              <a:t>Examples of pseudoreplication:</a:t>
-            </a:r>
-            <a:r>
-              <a:rPr/>
-              <a:t> - Measuring the same individual multiple times - Treating multiple fish from the same tank as independent - Using multiple data points from a single site</a:t>
-            </a:r>
-          </a:p>
-          <a:p>
-            <a:pPr lvl="0" indent="0" marL="0">
-              <a:buNone/>
-            </a:pPr>
-            <a:r>
-              <a:rPr b="1"/>
-              <a:t>How to avoid pseudoreplication:</a:t>
-            </a:r>
-            <a:r>
-              <a:rPr/>
-              <a:t> - Identify the true experimental unit - Use appropriate statistical techniques (e.g., mixed models) - Be clear about the level of replication</a:t>
-            </a:r>
-          </a:p>
-        </p:txBody>
-      </p:sp>
-      <p:pic>
-        <p:nvPicPr>
-          <p:cNvPr descr="04_01_lecture_powerpoint_files/figure-pptx/unnamed-chunk-33-1.png" id="0" name="Picture 1"/>
-          <p:cNvPicPr>
-            <a:picLocks noGrp="1" noChangeAspect="1"/>
-          </p:cNvPicPr>
-          <p:nvPr/>
-        </p:nvPicPr>
-        <p:blipFill>
-          <a:blip r:embed="rId2"/>
-          <a:stretch>
-            <a:fillRect/>
-          </a:stretch>
-        </p:blipFill>
-        <p:spPr bwMode="auto">
-          <a:xfrm>
-            <a:off x="6121400" y="1155700"/>
-            <a:ext cx="2781300" cy="3479800"/>
-          </a:xfrm>
-          <a:prstGeom prst="rect">
-            <a:avLst/>
-          </a:prstGeom>
-          <a:noFill/>
-          <a:ln w="9525">
-            <a:noFill/>
-            <a:headEnd/>
-            <a:tailEnd/>
-          </a:ln>
-        </p:spPr>
-      </p:pic>
-    </p:spTree>
-  </p:cSld>
-</p:sld>
-</file>
-
-<file path=ppt/slides/slide47.xml><?xml version="1.0" encoding="utf-8"?>
-<p:sld xmlns:a="http://schemas.openxmlformats.org/drawingml/2006/main" xmlns:r="http://schemas.openxmlformats.org/officeDocument/2006/relationships" xmlns:p="http://schemas.openxmlformats.org/presentationml/2006/main">
-  <p:cSld>
-    <p:spTree>
-      <p:nvGrpSpPr>
-        <p:cNvPr id="1" name=""/>
-        <p:cNvGrpSpPr/>
-        <p:nvPr/>
-      </p:nvGrpSpPr>
-      <p:grpSpPr>
-        <a:xfrm>
-          <a:off x="0" y="0"/>
-          <a:ext cx="0" cy="0"/>
-          <a:chOff x="0" y="0"/>
-          <a:chExt cx="0" cy="0"/>
-        </a:xfrm>
-      </p:grpSpPr>
-      <p:sp>
-        <p:nvSpPr>
-          <p:cNvPr id="2" name="Title 1"/>
-          <p:cNvSpPr>
-            <a:spLocks noGrp="1"/>
-          </p:cNvSpPr>
-          <p:nvPr>
-            <p:ph type="title"/>
-          </p:nvPr>
-        </p:nvSpPr>
-        <p:spPr>
-          <a:xfrm>
-            <a:off x="0" y="0"/>
-            <a:ext cx="9144000" cy="602780"/>
-          </a:xfrm>
-          <a:solidFill>
-            <a:srgbClr val="70121D"/>
-          </a:solidFill>
-        </p:spPr>
-        <p:txBody>
-          <a:bodyPr/>
-          <a:lstStyle/>
-          <a:p>
-            <a:pPr lvl="0" indent="0" marL="0">
-              <a:buNone/>
-            </a:pPr>
-            <a:r>
-              <a:rPr b="1"/>
-              <a:t>Lecture 4:</a:t>
-            </a:r>
-            <a:r>
-              <a:rPr/>
-              <a:t> Practical Applications in Fish Biology</a:t>
-            </a:r>
-          </a:p>
-        </p:txBody>
-      </p:sp>
-      <p:sp>
-        <p:nvSpPr>
-          <p:cNvPr id="3" name="Content Placeholder 2"/>
-          <p:cNvSpPr>
-            <a:spLocks noGrp="1"/>
-          </p:cNvSpPr>
-          <p:nvPr>
-            <p:ph idx="1" sz="half"/>
-          </p:nvPr>
-        </p:nvSpPr>
-        <p:spPr/>
-        <p:txBody>
-          <a:bodyPr/>
-          <a:lstStyle/>
-          <a:p>
-            <a:pPr lvl="0" indent="0" marL="0">
-              <a:buNone/>
-            </a:pPr>
-            <a:r>
-              <a:rPr/>
-              <a:t>The statistical concepts we’ve covered today are essential for fisheries biologists and ecologists:</a:t>
-            </a:r>
-          </a:p>
-          <a:p>
-            <a:pPr lvl="0"/>
-            <a:r>
-              <a:rPr b="1"/>
-              <a:t>Z-scores</a:t>
-            </a:r>
-            <a:r>
-              <a:rPr/>
-              <a:t> help identify unusual fish sizes in a population</a:t>
-            </a:r>
-          </a:p>
-          <a:p>
-            <a:pPr lvl="0"/>
-            <a:r>
-              <a:rPr b="1"/>
-              <a:t>Standard error</a:t>
-            </a:r>
-            <a:r>
-              <a:rPr/>
-              <a:t> quantifies uncertainty in growth rate estimates</a:t>
-            </a:r>
-          </a:p>
-          <a:p>
-            <a:pPr lvl="0"/>
-            <a:r>
-              <a:rPr b="1"/>
-              <a:t>Confidence intervals</a:t>
-            </a:r>
-            <a:r>
-              <a:rPr/>
-              <a:t> provide plausible ranges for population parameters</a:t>
-            </a:r>
-          </a:p>
-          <a:p>
-            <a:pPr lvl="0"/>
-            <a:r>
-              <a:rPr b="1"/>
-              <a:t>Hypothesis testing</a:t>
-            </a:r>
-            <a:r>
-              <a:rPr/>
-              <a:t> evaluates effects of management practices</a:t>
-            </a:r>
-          </a:p>
-          <a:p>
-            <a:pPr lvl="0"/>
-            <a:r>
-              <a:rPr b="1"/>
-              <a:t>P-values</a:t>
-            </a:r>
-            <a:r>
-              <a:rPr/>
-              <a:t> determine significance of environmental impacts</a:t>
-            </a:r>
-          </a:p>
-          <a:p>
-            <a:pPr lvl="0" indent="0" marL="0">
-              <a:buNone/>
-            </a:pPr>
-            <a:r>
-              <a:rPr b="1"/>
-              <a:t>Real-world applications:</a:t>
-            </a:r>
-            <a:r>
-              <a:rPr/>
-              <a:t> - Assessing population health and structure - Evaluating effectiveness of fishing regulations - Quantifying relationships between fish size and habitat variables - Predicting impacts of climate change on fish populations - Designing effective conservation strategies</a:t>
-            </a:r>
-          </a:p>
-        </p:txBody>
-      </p:sp>
-      <p:pic>
-        <p:nvPicPr>
-          <p:cNvPr descr="04_01_lecture_powerpoint_files/figure-pptx/unnamed-chunk-34-1.png" id="0" name="Picture 1"/>
-          <p:cNvPicPr>
-            <a:picLocks noGrp="1" noChangeAspect="1"/>
-          </p:cNvPicPr>
-          <p:nvPr/>
-        </p:nvPicPr>
-        <p:blipFill>
-          <a:blip r:embed="rId2"/>
-          <a:stretch>
-            <a:fillRect/>
-          </a:stretch>
-        </p:blipFill>
-        <p:spPr bwMode="auto">
-          <a:xfrm>
-            <a:off x="6121400" y="1155700"/>
-            <a:ext cx="2781300" cy="3479800"/>
-          </a:xfrm>
-          <a:prstGeom prst="rect">
-            <a:avLst/>
-          </a:prstGeom>
-          <a:noFill/>
-          <a:ln w="9525">
-            <a:noFill/>
-            <a:headEnd/>
-            <a:tailEnd/>
-          </a:ln>
-        </p:spPr>
-      </p:pic>
-    </p:spTree>
-  </p:cSld>
-</p:sld>
-</file>
-
-<file path=ppt/slides/slide48.xml><?xml version="1.0" encoding="utf-8"?>
-<p:sld xmlns:a="http://schemas.openxmlformats.org/drawingml/2006/main" xmlns:r="http://schemas.openxmlformats.org/officeDocument/2006/relationships" xmlns:p="http://schemas.openxmlformats.org/presentationml/2006/main">
-  <p:cSld>
-    <p:spTree>
-      <p:nvGrpSpPr>
-        <p:cNvPr id="1" name=""/>
-        <p:cNvGrpSpPr/>
-        <p:nvPr/>
-      </p:nvGrpSpPr>
-      <p:grpSpPr>
-        <a:xfrm>
-          <a:off x="0" y="0"/>
-          <a:ext cx="0" cy="0"/>
-          <a:chOff x="0" y="0"/>
-          <a:chExt cx="0" cy="0"/>
-        </a:xfrm>
-      </p:grpSpPr>
-      <p:sp>
-        <p:nvSpPr>
-          <p:cNvPr id="2" name="Title 1"/>
-          <p:cNvSpPr>
-            <a:spLocks noGrp="1"/>
-          </p:cNvSpPr>
-          <p:nvPr>
-            <p:ph type="title"/>
-          </p:nvPr>
-        </p:nvSpPr>
-        <p:spPr>
-          <a:xfrm>
-            <a:off x="0" y="0"/>
-            <a:ext cx="9144000" cy="582780"/>
-          </a:xfrm>
-        </p:spPr>
-        <p:txBody>
-          <a:bodyPr/>
-          <a:lstStyle/>
-          <a:p>
-            <a:pPr lvl="0" indent="0" marL="0">
-              <a:buNone/>
-            </a:pPr>
-            <a:r>
-              <a:rPr b="1"/>
-              <a:t>Lecture 4:</a:t>
-            </a:r>
-            <a:r>
-              <a:rPr/>
-              <a:t> Next Steps in Statistical Analysis</a:t>
-            </a:r>
-          </a:p>
-        </p:txBody>
-      </p:sp>
-      <p:sp>
-        <p:nvSpPr>
-          <p:cNvPr id="3" name="Content Placeholder 2"/>
-          <p:cNvSpPr>
-            <a:spLocks noGrp="1"/>
-          </p:cNvSpPr>
-          <p:nvPr>
-            <p:ph idx="1"/>
-          </p:nvPr>
-        </p:nvSpPr>
-        <p:spPr/>
-        <p:txBody>
-          <a:bodyPr/>
-          <a:lstStyle/>
-          <a:p>
-            <a:pPr lvl="0" indent="0" marL="0">
-              <a:buNone/>
-            </a:pPr>
-            <a:r>
-              <a:rPr/>
-              <a:t>In future lectures, we’ll explore:</a:t>
-            </a:r>
-          </a:p>
-          <a:p>
-            <a:pPr lvl="0"/>
-            <a:r>
-              <a:rPr/>
-              <a:t>One-sample and two-sample t-tests</a:t>
-            </a:r>
-          </a:p>
-          <a:p>
-            <a:pPr lvl="0"/>
-            <a:r>
-              <a:rPr/>
-              <a:t>Analysis of variance (ANOVA)</a:t>
-            </a:r>
-          </a:p>
-          <a:p>
-            <a:pPr lvl="0"/>
-            <a:r>
-              <a:rPr/>
-              <a:t>Linear regression and correlation</a:t>
-            </a:r>
-          </a:p>
-          <a:p>
-            <a:pPr lvl="0"/>
-            <a:r>
-              <a:rPr/>
-              <a:t>Chi-square tests</a:t>
-            </a:r>
-          </a:p>
-          <a:p>
-            <a:pPr lvl="0"/>
-            <a:r>
-              <a:rPr/>
-              <a:t>Non-parametric methods</a:t>
-            </a:r>
-          </a:p>
-          <a:p>
-            <a:pPr lvl="0"/>
-            <a:r>
-              <a:rPr/>
-              <a:t>Multiple regression and model selection</a:t>
-            </a:r>
-          </a:p>
-          <a:p>
-            <a:pPr lvl="0"/>
-            <a:r>
-              <a:rPr/>
-              <a:t>Mixed effects models</a:t>
-            </a:r>
-          </a:p>
-          <a:p>
-            <a:pPr lvl="0" indent="0" marL="0">
-              <a:buNone/>
-            </a:pPr>
-            <a:r>
-              <a:rPr/>
-              <a:t>Each method builds on the statistical foundation we’ve established today, applying probability concepts to make inferences from data.</a:t>
-            </a:r>
-          </a:p>
-          <a:p>
-            <a:pPr lvl="0" indent="0" marL="1270000">
-              <a:buNone/>
-            </a:pPr>
-            <a:r>
-              <a:rPr sz="2000" b="1"/>
-              <a:t>Learning Resources</a:t>
-            </a:r>
-          </a:p>
-          <a:p>
-            <a:pPr lvl="0"/>
-            <a:r>
-              <a:rPr sz="2000"/>
-              <a:t>Practice problems in the textbook (Chapter 4 &amp; 5)</a:t>
-            </a:r>
-          </a:p>
-          <a:p>
-            <a:pPr lvl="0"/>
-            <a:r>
-              <a:rPr sz="2000"/>
-              <a:t>Online resources:</a:t>
-            </a:r>
-          </a:p>
-          <a:p>
-            <a:pPr lvl="1"/>
-            <a:r>
-              <a:rPr sz="2000"/>
-              <a:t>Khan Academy: Probability and Statistics</a:t>
-            </a:r>
-          </a:p>
-          <a:p>
-            <a:pPr lvl="1"/>
-            <a:r>
-              <a:rPr sz="2000"/>
-              <a:t>StatQuest with Josh Starmer (YouTube channel)</a:t>
-            </a:r>
-          </a:p>
-          <a:p>
-            <a:pPr lvl="1"/>
-            <a:r>
-              <a:rPr sz="2000"/>
-              <a:t>R for Data Science (r4ds.had.co.nz)</a:t>
-            </a:r>
-          </a:p>
-          <a:p>
-            <a:pPr lvl="0"/>
-            <a:r>
-              <a:rPr sz="2000"/>
-              <a:t>Office hours: Wednesdays 2-4pm</a:t>
-            </a:r>
-          </a:p>
-        </p:txBody>
-      </p:sp>
     </p:spTree>
   </p:cSld>
 </p:sld>
@@ -17514,7 +14777,7 @@
                 </a:solidFill>
                 <a:latin typeface="Courier"/>
               </a:rPr>
-              <a:t>total_length_mm, </a:t>
+              <a:t>length_mm, </a:t>
             </a:r>
             <a:r>
               <a:rPr>
@@ -17596,7 +14859,7 @@
                 </a:solidFill>
                 <a:latin typeface="Courier"/>
               </a:rPr>
-              <a:t>total_length_mm, </a:t>
+              <a:t>length_mm, </a:t>
             </a:r>
             <a:r>
               <a:rPr>
@@ -17708,7 +14971,7 @@
                 </a:solidFill>
                 <a:latin typeface="Courier"/>
               </a:rPr>
-              <a:t> (total_length_mm </a:t>
+              <a:t> (length_mm </a:t>
             </a:r>
             <a:r>
               <a:rPr>
@@ -17786,14 +15049,14 @@
                 <a:latin typeface="Courier"/>
               </a:rPr>
               <a:t># A tibble: 6 × 6
-   site lake  species         total_length_mm mass_g z_score
-  &lt;dbl&gt; &lt;chr&gt; &lt;chr&gt;                     &lt;dbl&gt;  &lt;dbl&gt;   &lt;dbl&gt;
-1   113 I3    arctic grayling             266    135  -0.900
-2   113 I3    arctic grayling             290    185  -0.531
-3   113 I3    arctic grayling             262    145  -0.961
-4   113 I3    arctic grayling             275    160  -0.761
-5   113 I3    arctic grayling             240    105  -1.30 
-6   113 I3    arctic grayling             265    145  -0.915</a:t>
+   site lake  species         length_mm mass_g z_score
+  &lt;dbl&gt; &lt;chr&gt; &lt;chr&gt;               &lt;dbl&gt;  &lt;dbl&gt;   &lt;dbl&gt;
+1   113 I3    arctic grayling       266    135  -0.900
+2   113 I3    arctic grayling       290    185  -0.531
+3   113 I3    arctic grayling       262    145  -0.961
+4   113 I3    arctic grayling       275    160  -0.761
+5   113 I3    arctic grayling       240    105  -1.30 
+6   113 I3    arctic grayling       265    145  -0.915</a:t>
             </a:r>
           </a:p>
           <a:p>
@@ -18232,7 +15495,7 @@
             </a:pPr>
             <a:r>
               <a:rPr/>
-              <a:t>Lecuture 4: Standard normal distribution</a:t>
+              <a:t>Lecture 4: Standard normal distribution</a:t>
             </a:r>
           </a:p>
         </p:txBody>
